--- a/21-rakoczi.pptx
+++ b/21-rakoczi.pptx
@@ -108,6 +108,11 @@
       </a:defRPr>
     </a:lvl9pPr>
   </p:defaultTextStyle>
+  <p:extLst>
+    <p:ext uri="{EFAFB233-063F-42B5-8137-9DF3F51BA10A}">
+      <p15:sldGuideLst xmlns:p15="http://schemas.microsoft.com/office/powerpoint/2012/main"/>
+    </p:ext>
+  </p:extLst>
 </p:presentation>
 </file>
 
@@ -3743,13 +3748,13 @@
   <p:clrMapOvr>
     <a:masterClrMapping/>
   </p:clrMapOvr>
-  <mc:AlternateContent xmlns:mc="http://schemas.openxmlformats.org/markup-compatibility/2006">
-    <mc:Choice xmlns:p159="http://schemas.microsoft.com/office/powerpoint/2015/09/main" Requires="p159">
+  <mc:AlternateContent xmlns:mc="http://schemas.openxmlformats.org/markup-compatibility/2006" xmlns:p159="http://schemas.microsoft.com/office/powerpoint/2015/09/main">
+    <mc:Choice Requires="p159">
       <p:transition xmlns:p14="http://schemas.microsoft.com/office/powerpoint/2010/main" spd="slow" p14:dur="2000">
         <p159:morph option="byObject"/>
       </p:transition>
     </mc:Choice>
-    <mc:Fallback>
+    <mc:Fallback xmlns="">
       <p:transition spd="slow">
         <p:fade/>
       </p:transition>
@@ -4193,13 +4198,13 @@
   <p:clrMapOvr>
     <a:masterClrMapping/>
   </p:clrMapOvr>
-  <mc:AlternateContent xmlns:mc="http://schemas.openxmlformats.org/markup-compatibility/2006">
-    <mc:Choice xmlns:p159="http://schemas.microsoft.com/office/powerpoint/2015/09/main" Requires="p159">
+  <mc:AlternateContent xmlns:mc="http://schemas.openxmlformats.org/markup-compatibility/2006" xmlns:p159="http://schemas.microsoft.com/office/powerpoint/2015/09/main">
+    <mc:Choice Requires="p159">
       <p:transition xmlns:p14="http://schemas.microsoft.com/office/powerpoint/2010/main" spd="slow" p14:dur="2000">
         <p159:morph option="byObject"/>
       </p:transition>
     </mc:Choice>
-    <mc:Fallback>
+    <mc:Fallback xmlns="">
       <p:transition spd="slow">
         <p:fade/>
       </p:transition>
@@ -5458,11 +5463,7 @@
               <a:t>1705-ös Szécsényben tartott országgyűlésen Magyarország vezető fejedelmévé kiáltották ki</a:t>
             </a:r>
             <a:r>
-              <a:rPr lang="hu-HU" sz="2400" dirty="0">
-                <a:solidFill>
-                  <a:schemeClr val="bg1"/>
-                </a:solidFill>
-              </a:rPr>
+              <a:rPr lang="hu-HU" sz="2400" dirty="0"/>
               <a:t>.</a:t>
             </a:r>
           </a:p>
@@ -5628,13 +5629,13 @@
   <p:clrMapOvr>
     <a:masterClrMapping/>
   </p:clrMapOvr>
-  <mc:AlternateContent xmlns:mc="http://schemas.openxmlformats.org/markup-compatibility/2006">
-    <mc:Choice xmlns:p159="http://schemas.microsoft.com/office/powerpoint/2015/09/main" Requires="p159">
+  <mc:AlternateContent xmlns:mc="http://schemas.openxmlformats.org/markup-compatibility/2006" xmlns:p159="http://schemas.microsoft.com/office/powerpoint/2015/09/main">
+    <mc:Choice Requires="p159">
       <p:transition xmlns:p14="http://schemas.microsoft.com/office/powerpoint/2010/main" spd="slow" p14:dur="2000">
         <p159:morph option="byObject"/>
       </p:transition>
     </mc:Choice>
-    <mc:Fallback>
+    <mc:Fallback xmlns="">
       <p:transition spd="slow">
         <p:fade/>
       </p:transition>
@@ -5983,13 +5984,13 @@
   <p:clrMapOvr>
     <a:masterClrMapping/>
   </p:clrMapOvr>
-  <mc:AlternateContent xmlns:mc="http://schemas.openxmlformats.org/markup-compatibility/2006">
-    <mc:Choice xmlns:p159="http://schemas.microsoft.com/office/powerpoint/2015/09/main" Requires="p159">
+  <mc:AlternateContent xmlns:mc="http://schemas.openxmlformats.org/markup-compatibility/2006" xmlns:p159="http://schemas.microsoft.com/office/powerpoint/2015/09/main">
+    <mc:Choice Requires="p159">
       <p:transition xmlns:p14="http://schemas.microsoft.com/office/powerpoint/2010/main" spd="slow" p14:dur="2000">
         <p159:morph option="byObject"/>
       </p:transition>
     </mc:Choice>
-    <mc:Fallback>
+    <mc:Fallback xmlns="">
       <p:transition spd="slow">
         <p:fade/>
       </p:transition>

--- a/21-rakoczi.pptx
+++ b/21-rakoczi.pptx
@@ -10,6 +10,8 @@
     <p:sldId id="258" r:id="rId4"/>
     <p:sldId id="261" r:id="rId5"/>
     <p:sldId id="262" r:id="rId6"/>
+    <p:sldId id="263" r:id="rId7"/>
+    <p:sldId id="264" r:id="rId8"/>
   </p:sldIdLst>
   <p:sldSz cx="12192000" cy="6858000"/>
   <p:notesSz cx="6858000" cy="9144000"/>
@@ -263,7 +265,7 @@
           <a:p>
             <a:fld id="{CC40A99D-436A-4683-BA57-1732DE926733}" type="datetimeFigureOut">
               <a:rPr lang="hu-HU" smtClean="0"/>
-              <a:t>2024. 03. 05.</a:t>
+              <a:t>2024. 03. 06.</a:t>
             </a:fld>
             <a:endParaRPr lang="hu-HU"/>
           </a:p>
@@ -461,7 +463,7 @@
           <a:p>
             <a:fld id="{CC40A99D-436A-4683-BA57-1732DE926733}" type="datetimeFigureOut">
               <a:rPr lang="hu-HU" smtClean="0"/>
-              <a:t>2024. 03. 05.</a:t>
+              <a:t>2024. 03. 06.</a:t>
             </a:fld>
             <a:endParaRPr lang="hu-HU"/>
           </a:p>
@@ -669,7 +671,7 @@
           <a:p>
             <a:fld id="{CC40A99D-436A-4683-BA57-1732DE926733}" type="datetimeFigureOut">
               <a:rPr lang="hu-HU" smtClean="0"/>
-              <a:t>2024. 03. 05.</a:t>
+              <a:t>2024. 03. 06.</a:t>
             </a:fld>
             <a:endParaRPr lang="hu-HU"/>
           </a:p>
@@ -867,7 +869,7 @@
           <a:p>
             <a:fld id="{CC40A99D-436A-4683-BA57-1732DE926733}" type="datetimeFigureOut">
               <a:rPr lang="hu-HU" smtClean="0"/>
-              <a:t>2024. 03. 05.</a:t>
+              <a:t>2024. 03. 06.</a:t>
             </a:fld>
             <a:endParaRPr lang="hu-HU"/>
           </a:p>
@@ -1142,7 +1144,7 @@
           <a:p>
             <a:fld id="{CC40A99D-436A-4683-BA57-1732DE926733}" type="datetimeFigureOut">
               <a:rPr lang="hu-HU" smtClean="0"/>
-              <a:t>2024. 03. 05.</a:t>
+              <a:t>2024. 03. 06.</a:t>
             </a:fld>
             <a:endParaRPr lang="hu-HU"/>
           </a:p>
@@ -1407,7 +1409,7 @@
           <a:p>
             <a:fld id="{CC40A99D-436A-4683-BA57-1732DE926733}" type="datetimeFigureOut">
               <a:rPr lang="hu-HU" smtClean="0"/>
-              <a:t>2024. 03. 05.</a:t>
+              <a:t>2024. 03. 06.</a:t>
             </a:fld>
             <a:endParaRPr lang="hu-HU"/>
           </a:p>
@@ -1819,7 +1821,7 @@
           <a:p>
             <a:fld id="{CC40A99D-436A-4683-BA57-1732DE926733}" type="datetimeFigureOut">
               <a:rPr lang="hu-HU" smtClean="0"/>
-              <a:t>2024. 03. 05.</a:t>
+              <a:t>2024. 03. 06.</a:t>
             </a:fld>
             <a:endParaRPr lang="hu-HU"/>
           </a:p>
@@ -1960,7 +1962,7 @@
           <a:p>
             <a:fld id="{CC40A99D-436A-4683-BA57-1732DE926733}" type="datetimeFigureOut">
               <a:rPr lang="hu-HU" smtClean="0"/>
-              <a:t>2024. 03. 05.</a:t>
+              <a:t>2024. 03. 06.</a:t>
             </a:fld>
             <a:endParaRPr lang="hu-HU"/>
           </a:p>
@@ -2073,7 +2075,7 @@
           <a:p>
             <a:fld id="{CC40A99D-436A-4683-BA57-1732DE926733}" type="datetimeFigureOut">
               <a:rPr lang="hu-HU" smtClean="0"/>
-              <a:t>2024. 03. 05.</a:t>
+              <a:t>2024. 03. 06.</a:t>
             </a:fld>
             <a:endParaRPr lang="hu-HU"/>
           </a:p>
@@ -2384,7 +2386,7 @@
           <a:p>
             <a:fld id="{CC40A99D-436A-4683-BA57-1732DE926733}" type="datetimeFigureOut">
               <a:rPr lang="hu-HU" smtClean="0"/>
-              <a:t>2024. 03. 05.</a:t>
+              <a:t>2024. 03. 06.</a:t>
             </a:fld>
             <a:endParaRPr lang="hu-HU"/>
           </a:p>
@@ -2672,7 +2674,7 @@
           <a:p>
             <a:fld id="{CC40A99D-436A-4683-BA57-1732DE926733}" type="datetimeFigureOut">
               <a:rPr lang="hu-HU" smtClean="0"/>
-              <a:t>2024. 03. 05.</a:t>
+              <a:t>2024. 03. 06.</a:t>
             </a:fld>
             <a:endParaRPr lang="hu-HU"/>
           </a:p>
@@ -2913,7 +2915,7 @@
           <a:p>
             <a:fld id="{CC40A99D-436A-4683-BA57-1732DE926733}" type="datetimeFigureOut">
               <a:rPr lang="hu-HU" smtClean="0"/>
-              <a:t>2024. 03. 05.</a:t>
+              <a:t>2024. 03. 06.</a:t>
             </a:fld>
             <a:endParaRPr lang="hu-HU"/>
           </a:p>
@@ -5463,7 +5465,11 @@
               <a:t>1705-ös Szécsényben tartott országgyűlésen Magyarország vezető fejedelmévé kiáltották ki</a:t>
             </a:r>
             <a:r>
-              <a:rPr lang="hu-HU" sz="2400" dirty="0"/>
+              <a:rPr lang="hu-HU" sz="2400" dirty="0">
+                <a:solidFill>
+                  <a:schemeClr val="bg1"/>
+                </a:solidFill>
+              </a:rPr>
               <a:t>.</a:t>
             </a:r>
           </a:p>
@@ -5991,6 +5997,1215 @@
       </p:transition>
     </mc:Choice>
     <mc:Fallback xmlns="">
+      <p:transition spd="slow">
+        <p:fade/>
+      </p:transition>
+    </mc:Fallback>
+  </mc:AlternateContent>
+</p:sld>
+</file>
+
+<file path=ppt/slides/slide6.xml><?xml version="1.0" encoding="utf-8"?>
+<p:sld xmlns:a="http://schemas.openxmlformats.org/drawingml/2006/main" xmlns:r="http://schemas.openxmlformats.org/officeDocument/2006/relationships" xmlns:p="http://schemas.openxmlformats.org/presentationml/2006/main">
+  <p:cSld>
+    <p:spTree>
+      <p:nvGrpSpPr>
+        <p:cNvPr id="1" name=""/>
+        <p:cNvGrpSpPr/>
+        <p:nvPr/>
+      </p:nvGrpSpPr>
+      <p:grpSpPr>
+        <a:xfrm>
+          <a:off x="0" y="0"/>
+          <a:ext cx="0" cy="0"/>
+          <a:chOff x="0" y="0"/>
+          <a:chExt cx="0" cy="0"/>
+        </a:xfrm>
+      </p:grpSpPr>
+      <p:pic>
+        <p:nvPicPr>
+          <p:cNvPr id="6" name="Kép 5">
+            <a:extLst>
+              <a:ext uri="{FF2B5EF4-FFF2-40B4-BE49-F238E27FC236}">
+                <a16:creationId xmlns:a16="http://schemas.microsoft.com/office/drawing/2014/main" id="{BB0B36D7-DB93-4ECF-8708-E30C451B9A93}"/>
+              </a:ext>
+            </a:extLst>
+          </p:cNvPr>
+          <p:cNvPicPr>
+            <a:picLocks noChangeAspect="1"/>
+          </p:cNvPicPr>
+          <p:nvPr/>
+        </p:nvPicPr>
+        <p:blipFill>
+          <a:blip r:embed="rId2">
+            <a:extLst>
+              <a:ext uri="{28A0092B-C50C-407E-A947-70E740481C1C}">
+                <a14:useLocalDpi xmlns:a14="http://schemas.microsoft.com/office/drawing/2010/main" val="0"/>
+              </a:ext>
+            </a:extLst>
+          </a:blip>
+          <a:stretch>
+            <a:fillRect/>
+          </a:stretch>
+        </p:blipFill>
+        <p:spPr>
+          <a:xfrm>
+            <a:off x="-9832" y="0"/>
+            <a:ext cx="12192000" cy="15012737"/>
+          </a:xfrm>
+          <a:prstGeom prst="rect">
+            <a:avLst/>
+          </a:prstGeom>
+        </p:spPr>
+      </p:pic>
+      <p:sp>
+        <p:nvSpPr>
+          <p:cNvPr id="2" name="Cím 1">
+            <a:extLst>
+              <a:ext uri="{FF2B5EF4-FFF2-40B4-BE49-F238E27FC236}">
+                <a16:creationId xmlns:a16="http://schemas.microsoft.com/office/drawing/2014/main" id="{D4FC9C00-91E7-4157-9379-1AB5CE614D4A}"/>
+              </a:ext>
+            </a:extLst>
+          </p:cNvPr>
+          <p:cNvSpPr>
+            <a:spLocks noGrp="1"/>
+          </p:cNvSpPr>
+          <p:nvPr>
+            <p:ph type="title"/>
+          </p:nvPr>
+        </p:nvSpPr>
+        <p:spPr>
+          <a:xfrm>
+            <a:off x="0" y="2130008"/>
+            <a:ext cx="3749842" cy="1062622"/>
+          </a:xfrm>
+        </p:spPr>
+        <p:txBody>
+          <a:bodyPr>
+            <a:normAutofit fontScale="90000"/>
+          </a:bodyPr>
+          <a:lstStyle/>
+          <a:p>
+            <a:r>
+              <a:rPr lang="hu-HU" sz="6700" i="1" u="sng" dirty="0">
+                <a:solidFill>
+                  <a:schemeClr val="bg1">
+                    <a:lumMod val="95000"/>
+                  </a:schemeClr>
+                </a:solidFill>
+              </a:rPr>
+              <a:t>A hanyatlás</a:t>
+            </a:r>
+            <a:br>
+              <a:rPr lang="hu-HU" dirty="0"/>
+            </a:br>
+            <a:endParaRPr lang="hu-HU" sz="6000" dirty="0"/>
+          </a:p>
+        </p:txBody>
+      </p:sp>
+      <p:sp>
+        <p:nvSpPr>
+          <p:cNvPr id="3" name="Tartalom helye 2">
+            <a:extLst>
+              <a:ext uri="{FF2B5EF4-FFF2-40B4-BE49-F238E27FC236}">
+                <a16:creationId xmlns:a16="http://schemas.microsoft.com/office/drawing/2014/main" id="{0E1EA0E4-79AF-4D50-8C66-D7ABD1DFA802}"/>
+              </a:ext>
+            </a:extLst>
+          </p:cNvPr>
+          <p:cNvSpPr>
+            <a:spLocks noGrp="1"/>
+          </p:cNvSpPr>
+          <p:nvPr>
+            <p:ph idx="1"/>
+          </p:nvPr>
+        </p:nvSpPr>
+        <p:spPr>
+          <a:xfrm>
+            <a:off x="4058653" y="132431"/>
+            <a:ext cx="8133347" cy="4351338"/>
+          </a:xfrm>
+        </p:spPr>
+        <p:txBody>
+          <a:bodyPr>
+            <a:normAutofit/>
+          </a:bodyPr>
+          <a:lstStyle/>
+          <a:p>
+            <a:pPr marL="0" indent="0" algn="r">
+              <a:buNone/>
+            </a:pPr>
+            <a:r>
+              <a:rPr lang="hu-HU" dirty="0">
+                <a:solidFill>
+                  <a:schemeClr val="tx1">
+                    <a:lumMod val="95000"/>
+                    <a:lumOff val="5000"/>
+                  </a:schemeClr>
+                </a:solidFill>
+              </a:rPr>
+              <a:t>Az 1708-11 közötti időszakban egyre fogyott a lelkesedés a harc után. Ennek főbb okai, hogy a </a:t>
+            </a:r>
+            <a:r>
+              <a:rPr lang="hu-HU" b="1" dirty="0">
+                <a:solidFill>
+                  <a:schemeClr val="tx1">
+                    <a:lumMod val="95000"/>
+                    <a:lumOff val="5000"/>
+                  </a:schemeClr>
+                </a:solidFill>
+              </a:rPr>
+              <a:t>nemesek nem voltak elragadtatva az adófizetés kérdésétől</a:t>
+            </a:r>
+            <a:r>
+              <a:rPr lang="hu-HU" dirty="0">
+                <a:solidFill>
+                  <a:schemeClr val="tx1">
+                    <a:lumMod val="95000"/>
+                    <a:lumOff val="5000"/>
+                  </a:schemeClr>
+                </a:solidFill>
+              </a:rPr>
+              <a:t>, </a:t>
+            </a:r>
+            <a:r>
+              <a:rPr lang="hu-HU" b="1" dirty="0">
+                <a:solidFill>
+                  <a:schemeClr val="tx1">
+                    <a:lumMod val="95000"/>
+                    <a:lumOff val="5000"/>
+                  </a:schemeClr>
+                </a:solidFill>
+              </a:rPr>
+              <a:t>Rákóczi vagyona kezdett fogyni</a:t>
+            </a:r>
+            <a:r>
+              <a:rPr lang="hu-HU" dirty="0">
+                <a:solidFill>
+                  <a:schemeClr val="tx1">
+                    <a:lumMod val="95000"/>
+                    <a:lumOff val="5000"/>
+                  </a:schemeClr>
+                </a:solidFill>
+              </a:rPr>
+              <a:t> és a </a:t>
+            </a:r>
+            <a:r>
+              <a:rPr lang="hu-HU" b="1" dirty="0">
+                <a:solidFill>
+                  <a:schemeClr val="tx1">
+                    <a:lumMod val="95000"/>
+                    <a:lumOff val="5000"/>
+                  </a:schemeClr>
+                </a:solidFill>
+              </a:rPr>
+              <a:t>nép</a:t>
+            </a:r>
+            <a:r>
+              <a:rPr lang="hu-HU" dirty="0">
+                <a:solidFill>
+                  <a:schemeClr val="tx1">
+                    <a:lumMod val="95000"/>
+                    <a:lumOff val="5000"/>
+                  </a:schemeClr>
+                </a:solidFill>
+              </a:rPr>
+              <a:t> </a:t>
+            </a:r>
+            <a:r>
+              <a:rPr lang="hu-HU" b="1" dirty="0">
+                <a:solidFill>
+                  <a:schemeClr val="tx1">
+                    <a:lumMod val="95000"/>
+                    <a:lumOff val="5000"/>
+                  </a:schemeClr>
+                </a:solidFill>
+              </a:rPr>
+              <a:t>inkább békére vágyott</a:t>
+            </a:r>
+            <a:r>
+              <a:rPr lang="hu-HU" dirty="0">
+                <a:solidFill>
+                  <a:schemeClr val="tx1">
+                    <a:lumMod val="95000"/>
+                    <a:lumOff val="5000"/>
+                  </a:schemeClr>
+                </a:solidFill>
+              </a:rPr>
+              <a:t>, valamint </a:t>
+            </a:r>
+            <a:r>
+              <a:rPr lang="hu-HU" b="1" dirty="0">
+                <a:solidFill>
+                  <a:schemeClr val="tx1">
+                    <a:lumMod val="95000"/>
+                    <a:lumOff val="5000"/>
+                  </a:schemeClr>
+                </a:solidFill>
+              </a:rPr>
+              <a:t>egyre több ütközetet vesztettek a kurucok</a:t>
+            </a:r>
+            <a:r>
+              <a:rPr lang="hu-HU" dirty="0">
+                <a:solidFill>
+                  <a:schemeClr val="tx1">
+                    <a:lumMod val="95000"/>
+                    <a:lumOff val="5000"/>
+                  </a:schemeClr>
+                </a:solidFill>
+              </a:rPr>
+              <a:t> (Trencsényi csata - 1709). 1710-ben Rákóczi elhagyta az országot, hogy tárgyalásokat kezdjen az orosz cárral, </a:t>
+            </a:r>
+            <a:r>
+              <a:rPr lang="hu-HU" b="1" dirty="0">
+                <a:solidFill>
+                  <a:schemeClr val="tx1">
+                    <a:lumMod val="95000"/>
+                    <a:lumOff val="5000"/>
+                  </a:schemeClr>
+                </a:solidFill>
+              </a:rPr>
+              <a:t>helyettesévé Károlyi Sándort </a:t>
+            </a:r>
+            <a:r>
+              <a:rPr lang="hu-HU" dirty="0">
+                <a:solidFill>
+                  <a:schemeClr val="tx1">
+                    <a:lumMod val="95000"/>
+                    <a:lumOff val="5000"/>
+                  </a:schemeClr>
+                </a:solidFill>
+              </a:rPr>
+              <a:t>tette meg.</a:t>
+            </a:r>
+          </a:p>
+          <a:p>
+            <a:pPr marL="0" indent="0" algn="r">
+              <a:buNone/>
+            </a:pPr>
+            <a:endParaRPr lang="hu-HU" dirty="0">
+              <a:solidFill>
+                <a:schemeClr val="bg1">
+                  <a:lumMod val="95000"/>
+                </a:schemeClr>
+              </a:solidFill>
+            </a:endParaRPr>
+          </a:p>
+        </p:txBody>
+      </p:sp>
+      <p:sp>
+        <p:nvSpPr>
+          <p:cNvPr id="7" name="Tartalom helye 2">
+            <a:extLst>
+              <a:ext uri="{FF2B5EF4-FFF2-40B4-BE49-F238E27FC236}">
+                <a16:creationId xmlns:a16="http://schemas.microsoft.com/office/drawing/2014/main" id="{4BAF2076-66C9-4B70-97F0-973C696D3943}"/>
+              </a:ext>
+            </a:extLst>
+          </p:cNvPr>
+          <p:cNvSpPr txBox="1">
+            <a:spLocks/>
+          </p:cNvSpPr>
+          <p:nvPr/>
+        </p:nvSpPr>
+        <p:spPr>
+          <a:xfrm>
+            <a:off x="9832" y="10707332"/>
+            <a:ext cx="12172336" cy="3982335"/>
+          </a:xfrm>
+          <a:prstGeom prst="rect">
+            <a:avLst/>
+          </a:prstGeom>
+        </p:spPr>
+        <p:txBody>
+          <a:bodyPr vert="horz" lIns="91440" tIns="45720" rIns="91440" bIns="45720" rtlCol="0">
+            <a:normAutofit/>
+          </a:bodyPr>
+          <a:lstStyle>
+            <a:lvl1pPr marL="228600" indent="-228600" algn="l" defTabSz="914400" rtl="0" eaLnBrk="1" latinLnBrk="0" hangingPunct="1">
+              <a:lnSpc>
+                <a:spcPct val="90000"/>
+              </a:lnSpc>
+              <a:spcBef>
+                <a:spcPts val="1000"/>
+              </a:spcBef>
+              <a:buFont typeface="Arial" panose="020B0604020202020204" pitchFamily="34" charset="0"/>
+              <a:buChar char="•"/>
+              <a:defRPr sz="2800" kern="1200">
+                <a:solidFill>
+                  <a:schemeClr val="tx1"/>
+                </a:solidFill>
+                <a:latin typeface="+mn-lt"/>
+                <a:ea typeface="+mn-ea"/>
+                <a:cs typeface="+mn-cs"/>
+              </a:defRPr>
+            </a:lvl1pPr>
+            <a:lvl2pPr marL="685800" indent="-228600" algn="l" defTabSz="914400" rtl="0" eaLnBrk="1" latinLnBrk="0" hangingPunct="1">
+              <a:lnSpc>
+                <a:spcPct val="90000"/>
+              </a:lnSpc>
+              <a:spcBef>
+                <a:spcPts val="500"/>
+              </a:spcBef>
+              <a:buFont typeface="Arial" panose="020B0604020202020204" pitchFamily="34" charset="0"/>
+              <a:buChar char="•"/>
+              <a:defRPr sz="2400" kern="1200">
+                <a:solidFill>
+                  <a:schemeClr val="tx1"/>
+                </a:solidFill>
+                <a:latin typeface="+mn-lt"/>
+                <a:ea typeface="+mn-ea"/>
+                <a:cs typeface="+mn-cs"/>
+              </a:defRPr>
+            </a:lvl2pPr>
+            <a:lvl3pPr marL="1143000" indent="-228600" algn="l" defTabSz="914400" rtl="0" eaLnBrk="1" latinLnBrk="0" hangingPunct="1">
+              <a:lnSpc>
+                <a:spcPct val="90000"/>
+              </a:lnSpc>
+              <a:spcBef>
+                <a:spcPts val="500"/>
+              </a:spcBef>
+              <a:buFont typeface="Arial" panose="020B0604020202020204" pitchFamily="34" charset="0"/>
+              <a:buChar char="•"/>
+              <a:defRPr sz="2000" kern="1200">
+                <a:solidFill>
+                  <a:schemeClr val="tx1"/>
+                </a:solidFill>
+                <a:latin typeface="+mn-lt"/>
+                <a:ea typeface="+mn-ea"/>
+                <a:cs typeface="+mn-cs"/>
+              </a:defRPr>
+            </a:lvl3pPr>
+            <a:lvl4pPr marL="1600200" indent="-228600" algn="l" defTabSz="914400" rtl="0" eaLnBrk="1" latinLnBrk="0" hangingPunct="1">
+              <a:lnSpc>
+                <a:spcPct val="90000"/>
+              </a:lnSpc>
+              <a:spcBef>
+                <a:spcPts val="500"/>
+              </a:spcBef>
+              <a:buFont typeface="Arial" panose="020B0604020202020204" pitchFamily="34" charset="0"/>
+              <a:buChar char="•"/>
+              <a:defRPr sz="1800" kern="1200">
+                <a:solidFill>
+                  <a:schemeClr val="tx1"/>
+                </a:solidFill>
+                <a:latin typeface="+mn-lt"/>
+                <a:ea typeface="+mn-ea"/>
+                <a:cs typeface="+mn-cs"/>
+              </a:defRPr>
+            </a:lvl4pPr>
+            <a:lvl5pPr marL="2057400" indent="-228600" algn="l" defTabSz="914400" rtl="0" eaLnBrk="1" latinLnBrk="0" hangingPunct="1">
+              <a:lnSpc>
+                <a:spcPct val="90000"/>
+              </a:lnSpc>
+              <a:spcBef>
+                <a:spcPts val="500"/>
+              </a:spcBef>
+              <a:buFont typeface="Arial" panose="020B0604020202020204" pitchFamily="34" charset="0"/>
+              <a:buChar char="•"/>
+              <a:defRPr sz="1800" kern="1200">
+                <a:solidFill>
+                  <a:schemeClr val="tx1"/>
+                </a:solidFill>
+                <a:latin typeface="+mn-lt"/>
+                <a:ea typeface="+mn-ea"/>
+                <a:cs typeface="+mn-cs"/>
+              </a:defRPr>
+            </a:lvl5pPr>
+            <a:lvl6pPr marL="2514600" indent="-228600" algn="l" defTabSz="914400" rtl="0" eaLnBrk="1" latinLnBrk="0" hangingPunct="1">
+              <a:lnSpc>
+                <a:spcPct val="90000"/>
+              </a:lnSpc>
+              <a:spcBef>
+                <a:spcPts val="500"/>
+              </a:spcBef>
+              <a:buFont typeface="Arial" panose="020B0604020202020204" pitchFamily="34" charset="0"/>
+              <a:buChar char="•"/>
+              <a:defRPr sz="1800" kern="1200">
+                <a:solidFill>
+                  <a:schemeClr val="tx1"/>
+                </a:solidFill>
+                <a:latin typeface="+mn-lt"/>
+                <a:ea typeface="+mn-ea"/>
+                <a:cs typeface="+mn-cs"/>
+              </a:defRPr>
+            </a:lvl6pPr>
+            <a:lvl7pPr marL="2971800" indent="-228600" algn="l" defTabSz="914400" rtl="0" eaLnBrk="1" latinLnBrk="0" hangingPunct="1">
+              <a:lnSpc>
+                <a:spcPct val="90000"/>
+              </a:lnSpc>
+              <a:spcBef>
+                <a:spcPts val="500"/>
+              </a:spcBef>
+              <a:buFont typeface="Arial" panose="020B0604020202020204" pitchFamily="34" charset="0"/>
+              <a:buChar char="•"/>
+              <a:defRPr sz="1800" kern="1200">
+                <a:solidFill>
+                  <a:schemeClr val="tx1"/>
+                </a:solidFill>
+                <a:latin typeface="+mn-lt"/>
+                <a:ea typeface="+mn-ea"/>
+                <a:cs typeface="+mn-cs"/>
+              </a:defRPr>
+            </a:lvl7pPr>
+            <a:lvl8pPr marL="3429000" indent="-228600" algn="l" defTabSz="914400" rtl="0" eaLnBrk="1" latinLnBrk="0" hangingPunct="1">
+              <a:lnSpc>
+                <a:spcPct val="90000"/>
+              </a:lnSpc>
+              <a:spcBef>
+                <a:spcPts val="500"/>
+              </a:spcBef>
+              <a:buFont typeface="Arial" panose="020B0604020202020204" pitchFamily="34" charset="0"/>
+              <a:buChar char="•"/>
+              <a:defRPr sz="1800" kern="1200">
+                <a:solidFill>
+                  <a:schemeClr val="tx1"/>
+                </a:solidFill>
+                <a:latin typeface="+mn-lt"/>
+                <a:ea typeface="+mn-ea"/>
+                <a:cs typeface="+mn-cs"/>
+              </a:defRPr>
+            </a:lvl8pPr>
+            <a:lvl9pPr marL="3886200" indent="-228600" algn="l" defTabSz="914400" rtl="0" eaLnBrk="1" latinLnBrk="0" hangingPunct="1">
+              <a:lnSpc>
+                <a:spcPct val="90000"/>
+              </a:lnSpc>
+              <a:spcBef>
+                <a:spcPts val="500"/>
+              </a:spcBef>
+              <a:buFont typeface="Arial" panose="020B0604020202020204" pitchFamily="34" charset="0"/>
+              <a:buChar char="•"/>
+              <a:defRPr sz="1800" kern="1200">
+                <a:solidFill>
+                  <a:schemeClr val="tx1"/>
+                </a:solidFill>
+                <a:latin typeface="+mn-lt"/>
+                <a:ea typeface="+mn-ea"/>
+                <a:cs typeface="+mn-cs"/>
+              </a:defRPr>
+            </a:lvl9pPr>
+          </a:lstStyle>
+          <a:p>
+            <a:pPr marL="0" indent="0" algn="ctr">
+              <a:buNone/>
+            </a:pPr>
+            <a:r>
+              <a:rPr lang="hu-HU" dirty="0">
+                <a:solidFill>
+                  <a:schemeClr val="bg1"/>
+                </a:solidFill>
+              </a:rPr>
+              <a:t>Károlyi úgy gondolta, hogy nincs esélye megnyernie a kurucoknak a harcot, ezért Rákóczi tudta nélkül </a:t>
+            </a:r>
+            <a:r>
+              <a:rPr lang="hu-HU" b="1" dirty="0">
+                <a:solidFill>
+                  <a:schemeClr val="bg1"/>
+                </a:solidFill>
+              </a:rPr>
+              <a:t>tárgyalásokat kezdett a békéről</a:t>
+            </a:r>
+            <a:r>
+              <a:rPr lang="hu-HU" dirty="0">
+                <a:solidFill>
+                  <a:schemeClr val="bg1"/>
+                </a:solidFill>
+              </a:rPr>
+              <a:t>. Ezt </a:t>
+            </a:r>
+            <a:r>
+              <a:rPr lang="hu-HU" b="1" dirty="0">
+                <a:solidFill>
+                  <a:schemeClr val="bg1"/>
+                </a:solidFill>
+              </a:rPr>
+              <a:t>1711-ben kötötték meg Szatmáron</a:t>
+            </a:r>
+            <a:r>
+              <a:rPr lang="hu-HU" dirty="0">
+                <a:solidFill>
+                  <a:schemeClr val="bg1"/>
+                </a:solidFill>
+              </a:rPr>
+              <a:t> és a császár ígéretet tett, hogy minden lázadó kurucnak megbocsájt és ügyelni fog, hogy azok a sérelmek, amik miatt a szabadságharc kirobbant ne ismétlődjenek meg újra. A </a:t>
+            </a:r>
+            <a:r>
+              <a:rPr lang="hu-HU" b="1" dirty="0">
+                <a:solidFill>
+                  <a:schemeClr val="bg1"/>
+                </a:solidFill>
+              </a:rPr>
+              <a:t>fegyvert ezekután </a:t>
+            </a:r>
+            <a:r>
+              <a:rPr lang="hu-HU" b="1" dirty="0" err="1">
+                <a:solidFill>
+                  <a:schemeClr val="bg1"/>
+                </a:solidFill>
+              </a:rPr>
+              <a:t>Majténynél</a:t>
+            </a:r>
+            <a:r>
+              <a:rPr lang="hu-HU" b="1" dirty="0">
+                <a:solidFill>
+                  <a:schemeClr val="bg1"/>
+                </a:solidFill>
+              </a:rPr>
+              <a:t> tette le a magyar sereg</a:t>
+            </a:r>
+            <a:r>
+              <a:rPr lang="hu-HU" dirty="0">
+                <a:solidFill>
+                  <a:schemeClr val="bg1"/>
+                </a:solidFill>
+              </a:rPr>
+              <a:t>. Rákóczi és más tisztek nem hittek abban, hogy büntetlenül maradhatnak, ezért inkább </a:t>
+            </a:r>
+            <a:r>
+              <a:rPr lang="hu-HU" b="1" dirty="0">
+                <a:solidFill>
+                  <a:schemeClr val="bg1"/>
+                </a:solidFill>
+              </a:rPr>
+              <a:t>önkéntes száműzetésbe vonultak</a:t>
+            </a:r>
+            <a:r>
+              <a:rPr lang="hu-HU" dirty="0">
+                <a:solidFill>
+                  <a:schemeClr val="bg1"/>
+                </a:solidFill>
+              </a:rPr>
+              <a:t>. (Rodostó)</a:t>
+            </a:r>
+          </a:p>
+          <a:p>
+            <a:pPr marL="0" indent="0" algn="ctr">
+              <a:buFont typeface="Arial" panose="020B0604020202020204" pitchFamily="34" charset="0"/>
+              <a:buNone/>
+            </a:pPr>
+            <a:endParaRPr lang="hu-HU" dirty="0">
+              <a:solidFill>
+                <a:schemeClr val="bg1"/>
+              </a:solidFill>
+            </a:endParaRPr>
+          </a:p>
+        </p:txBody>
+      </p:sp>
+    </p:spTree>
+    <p:extLst>
+      <p:ext uri="{BB962C8B-B14F-4D97-AF65-F5344CB8AC3E}">
+        <p14:creationId xmlns:p14="http://schemas.microsoft.com/office/powerpoint/2010/main" val="4197863746"/>
+      </p:ext>
+    </p:extLst>
+  </p:cSld>
+  <p:clrMapOvr>
+    <a:masterClrMapping/>
+  </p:clrMapOvr>
+  <p:transition spd="slow">
+    <p:push dir="u"/>
+  </p:transition>
+</p:sld>
+</file>
+
+<file path=ppt/slides/slide7.xml><?xml version="1.0" encoding="utf-8"?>
+<p:sld xmlns:a="http://schemas.openxmlformats.org/drawingml/2006/main" xmlns:r="http://schemas.openxmlformats.org/officeDocument/2006/relationships" xmlns:p="http://schemas.openxmlformats.org/presentationml/2006/main">
+  <p:cSld>
+    <p:spTree>
+      <p:nvGrpSpPr>
+        <p:cNvPr id="1" name=""/>
+        <p:cNvGrpSpPr/>
+        <p:nvPr/>
+      </p:nvGrpSpPr>
+      <p:grpSpPr>
+        <a:xfrm>
+          <a:off x="0" y="0"/>
+          <a:ext cx="0" cy="0"/>
+          <a:chOff x="0" y="0"/>
+          <a:chExt cx="0" cy="0"/>
+        </a:xfrm>
+      </p:grpSpPr>
+      <p:pic>
+        <p:nvPicPr>
+          <p:cNvPr id="6" name="Kép 5">
+            <a:extLst>
+              <a:ext uri="{FF2B5EF4-FFF2-40B4-BE49-F238E27FC236}">
+                <a16:creationId xmlns:a16="http://schemas.microsoft.com/office/drawing/2014/main" id="{BB0B36D7-DB93-4ECF-8708-E30C451B9A93}"/>
+              </a:ext>
+            </a:extLst>
+          </p:cNvPr>
+          <p:cNvPicPr>
+            <a:picLocks noChangeAspect="1"/>
+          </p:cNvPicPr>
+          <p:nvPr/>
+        </p:nvPicPr>
+        <p:blipFill>
+          <a:blip r:embed="rId2">
+            <a:extLst>
+              <a:ext uri="{28A0092B-C50C-407E-A947-70E740481C1C}">
+                <a14:useLocalDpi xmlns:a14="http://schemas.microsoft.com/office/drawing/2010/main" val="0"/>
+              </a:ext>
+            </a:extLst>
+          </a:blip>
+          <a:stretch>
+            <a:fillRect/>
+          </a:stretch>
+        </p:blipFill>
+        <p:spPr>
+          <a:xfrm>
+            <a:off x="-9832" y="-8154737"/>
+            <a:ext cx="12192000" cy="15012737"/>
+          </a:xfrm>
+          <a:prstGeom prst="rect">
+            <a:avLst/>
+          </a:prstGeom>
+        </p:spPr>
+      </p:pic>
+      <p:sp>
+        <p:nvSpPr>
+          <p:cNvPr id="2" name="Cím 1">
+            <a:extLst>
+              <a:ext uri="{FF2B5EF4-FFF2-40B4-BE49-F238E27FC236}">
+                <a16:creationId xmlns:a16="http://schemas.microsoft.com/office/drawing/2014/main" id="{D4FC9C00-91E7-4157-9379-1AB5CE614D4A}"/>
+              </a:ext>
+            </a:extLst>
+          </p:cNvPr>
+          <p:cNvSpPr>
+            <a:spLocks noGrp="1"/>
+          </p:cNvSpPr>
+          <p:nvPr>
+            <p:ph type="title"/>
+          </p:nvPr>
+        </p:nvSpPr>
+        <p:spPr>
+          <a:xfrm>
+            <a:off x="0" y="-6601042"/>
+            <a:ext cx="3749842" cy="1062622"/>
+          </a:xfrm>
+        </p:spPr>
+        <p:txBody>
+          <a:bodyPr>
+            <a:normAutofit fontScale="90000"/>
+          </a:bodyPr>
+          <a:lstStyle/>
+          <a:p>
+            <a:r>
+              <a:rPr lang="hu-HU" sz="6700" i="1" u="sng" dirty="0">
+                <a:solidFill>
+                  <a:schemeClr val="bg1">
+                    <a:lumMod val="95000"/>
+                  </a:schemeClr>
+                </a:solidFill>
+              </a:rPr>
+              <a:t>A hanyatlás</a:t>
+            </a:r>
+            <a:br>
+              <a:rPr lang="hu-HU" dirty="0"/>
+            </a:br>
+            <a:endParaRPr lang="hu-HU" sz="6000" dirty="0"/>
+          </a:p>
+        </p:txBody>
+      </p:sp>
+      <p:sp>
+        <p:nvSpPr>
+          <p:cNvPr id="3" name="Tartalom helye 2">
+            <a:extLst>
+              <a:ext uri="{FF2B5EF4-FFF2-40B4-BE49-F238E27FC236}">
+                <a16:creationId xmlns:a16="http://schemas.microsoft.com/office/drawing/2014/main" id="{0E1EA0E4-79AF-4D50-8C66-D7ABD1DFA802}"/>
+              </a:ext>
+            </a:extLst>
+          </p:cNvPr>
+          <p:cNvSpPr>
+            <a:spLocks noGrp="1"/>
+          </p:cNvSpPr>
+          <p:nvPr>
+            <p:ph idx="1"/>
+          </p:nvPr>
+        </p:nvSpPr>
+        <p:spPr>
+          <a:xfrm>
+            <a:off x="4058653" y="-7890700"/>
+            <a:ext cx="8133347" cy="4351338"/>
+          </a:xfrm>
+        </p:spPr>
+        <p:txBody>
+          <a:bodyPr>
+            <a:normAutofit/>
+          </a:bodyPr>
+          <a:lstStyle/>
+          <a:p>
+            <a:pPr marL="0" indent="0" algn="r">
+              <a:buNone/>
+            </a:pPr>
+            <a:r>
+              <a:rPr lang="hu-HU" dirty="0">
+                <a:solidFill>
+                  <a:schemeClr val="tx1">
+                    <a:lumMod val="95000"/>
+                    <a:lumOff val="5000"/>
+                  </a:schemeClr>
+                </a:solidFill>
+              </a:rPr>
+              <a:t>Az 1708-11 közötti időszakban egyre fogyott a lelkesedés a harc után. Ennek főbb okai, hogy a </a:t>
+            </a:r>
+            <a:r>
+              <a:rPr lang="hu-HU" b="1" dirty="0">
+                <a:solidFill>
+                  <a:schemeClr val="tx1">
+                    <a:lumMod val="95000"/>
+                    <a:lumOff val="5000"/>
+                  </a:schemeClr>
+                </a:solidFill>
+              </a:rPr>
+              <a:t>nemesek nem voltak elragadtatva az adófizetés kérdésétől</a:t>
+            </a:r>
+            <a:r>
+              <a:rPr lang="hu-HU" dirty="0">
+                <a:solidFill>
+                  <a:schemeClr val="tx1">
+                    <a:lumMod val="95000"/>
+                    <a:lumOff val="5000"/>
+                  </a:schemeClr>
+                </a:solidFill>
+              </a:rPr>
+              <a:t>, </a:t>
+            </a:r>
+            <a:r>
+              <a:rPr lang="hu-HU" b="1" dirty="0">
+                <a:solidFill>
+                  <a:schemeClr val="tx1">
+                    <a:lumMod val="95000"/>
+                    <a:lumOff val="5000"/>
+                  </a:schemeClr>
+                </a:solidFill>
+              </a:rPr>
+              <a:t>Rákóczi vagyona kezdett fogyni</a:t>
+            </a:r>
+            <a:r>
+              <a:rPr lang="hu-HU" dirty="0">
+                <a:solidFill>
+                  <a:schemeClr val="tx1">
+                    <a:lumMod val="95000"/>
+                    <a:lumOff val="5000"/>
+                  </a:schemeClr>
+                </a:solidFill>
+              </a:rPr>
+              <a:t> és a </a:t>
+            </a:r>
+            <a:r>
+              <a:rPr lang="hu-HU" b="1" dirty="0">
+                <a:solidFill>
+                  <a:schemeClr val="tx1">
+                    <a:lumMod val="95000"/>
+                    <a:lumOff val="5000"/>
+                  </a:schemeClr>
+                </a:solidFill>
+              </a:rPr>
+              <a:t>nép</a:t>
+            </a:r>
+            <a:r>
+              <a:rPr lang="hu-HU" dirty="0">
+                <a:solidFill>
+                  <a:schemeClr val="tx1">
+                    <a:lumMod val="95000"/>
+                    <a:lumOff val="5000"/>
+                  </a:schemeClr>
+                </a:solidFill>
+              </a:rPr>
+              <a:t> </a:t>
+            </a:r>
+            <a:r>
+              <a:rPr lang="hu-HU" b="1" dirty="0">
+                <a:solidFill>
+                  <a:schemeClr val="tx1">
+                    <a:lumMod val="95000"/>
+                    <a:lumOff val="5000"/>
+                  </a:schemeClr>
+                </a:solidFill>
+              </a:rPr>
+              <a:t>inkább békére vágyott</a:t>
+            </a:r>
+            <a:r>
+              <a:rPr lang="hu-HU" dirty="0">
+                <a:solidFill>
+                  <a:schemeClr val="tx1">
+                    <a:lumMod val="95000"/>
+                    <a:lumOff val="5000"/>
+                  </a:schemeClr>
+                </a:solidFill>
+              </a:rPr>
+              <a:t>, valamint </a:t>
+            </a:r>
+            <a:r>
+              <a:rPr lang="hu-HU" b="1" dirty="0">
+                <a:solidFill>
+                  <a:schemeClr val="tx1">
+                    <a:lumMod val="95000"/>
+                    <a:lumOff val="5000"/>
+                  </a:schemeClr>
+                </a:solidFill>
+              </a:rPr>
+              <a:t>egyre több ütközetet vesztettek a kurucok</a:t>
+            </a:r>
+            <a:r>
+              <a:rPr lang="hu-HU" dirty="0">
+                <a:solidFill>
+                  <a:schemeClr val="tx1">
+                    <a:lumMod val="95000"/>
+                    <a:lumOff val="5000"/>
+                  </a:schemeClr>
+                </a:solidFill>
+              </a:rPr>
+              <a:t> (Trencsényi csata - 1709). 1710-ben Rákóczi elhagyta az országot, hogy tárgyalásokat kezdjen az orosz cárral, </a:t>
+            </a:r>
+            <a:r>
+              <a:rPr lang="hu-HU" b="1" dirty="0">
+                <a:solidFill>
+                  <a:schemeClr val="tx1">
+                    <a:lumMod val="95000"/>
+                    <a:lumOff val="5000"/>
+                  </a:schemeClr>
+                </a:solidFill>
+              </a:rPr>
+              <a:t>helyettesévé Károlyi Sándort </a:t>
+            </a:r>
+            <a:r>
+              <a:rPr lang="hu-HU" dirty="0">
+                <a:solidFill>
+                  <a:schemeClr val="tx1">
+                    <a:lumMod val="95000"/>
+                    <a:lumOff val="5000"/>
+                  </a:schemeClr>
+                </a:solidFill>
+              </a:rPr>
+              <a:t>tette meg.</a:t>
+            </a:r>
+          </a:p>
+          <a:p>
+            <a:pPr marL="0" indent="0" algn="r">
+              <a:buNone/>
+            </a:pPr>
+            <a:endParaRPr lang="hu-HU" dirty="0">
+              <a:solidFill>
+                <a:schemeClr val="bg1">
+                  <a:lumMod val="95000"/>
+                </a:schemeClr>
+              </a:solidFill>
+            </a:endParaRPr>
+          </a:p>
+        </p:txBody>
+      </p:sp>
+      <p:sp>
+        <p:nvSpPr>
+          <p:cNvPr id="4" name="Tartalom helye 2">
+            <a:extLst>
+              <a:ext uri="{FF2B5EF4-FFF2-40B4-BE49-F238E27FC236}">
+                <a16:creationId xmlns:a16="http://schemas.microsoft.com/office/drawing/2014/main" id="{B53AC300-F7DC-4567-9F16-91240CE67792}"/>
+              </a:ext>
+            </a:extLst>
+          </p:cNvPr>
+          <p:cNvSpPr txBox="1">
+            <a:spLocks/>
+          </p:cNvSpPr>
+          <p:nvPr/>
+        </p:nvSpPr>
+        <p:spPr>
+          <a:xfrm>
+            <a:off x="9832" y="4070554"/>
+            <a:ext cx="12172336" cy="3982335"/>
+          </a:xfrm>
+          <a:prstGeom prst="rect">
+            <a:avLst/>
+          </a:prstGeom>
+        </p:spPr>
+        <p:txBody>
+          <a:bodyPr vert="horz" lIns="91440" tIns="45720" rIns="91440" bIns="45720" rtlCol="0">
+            <a:normAutofit/>
+          </a:bodyPr>
+          <a:lstStyle>
+            <a:lvl1pPr marL="228600" indent="-228600" algn="l" defTabSz="914400" rtl="0" eaLnBrk="1" latinLnBrk="0" hangingPunct="1">
+              <a:lnSpc>
+                <a:spcPct val="90000"/>
+              </a:lnSpc>
+              <a:spcBef>
+                <a:spcPts val="1000"/>
+              </a:spcBef>
+              <a:buFont typeface="Arial" panose="020B0604020202020204" pitchFamily="34" charset="0"/>
+              <a:buChar char="•"/>
+              <a:defRPr sz="2800" kern="1200">
+                <a:solidFill>
+                  <a:schemeClr val="tx1"/>
+                </a:solidFill>
+                <a:latin typeface="+mn-lt"/>
+                <a:ea typeface="+mn-ea"/>
+                <a:cs typeface="+mn-cs"/>
+              </a:defRPr>
+            </a:lvl1pPr>
+            <a:lvl2pPr marL="685800" indent="-228600" algn="l" defTabSz="914400" rtl="0" eaLnBrk="1" latinLnBrk="0" hangingPunct="1">
+              <a:lnSpc>
+                <a:spcPct val="90000"/>
+              </a:lnSpc>
+              <a:spcBef>
+                <a:spcPts val="500"/>
+              </a:spcBef>
+              <a:buFont typeface="Arial" panose="020B0604020202020204" pitchFamily="34" charset="0"/>
+              <a:buChar char="•"/>
+              <a:defRPr sz="2400" kern="1200">
+                <a:solidFill>
+                  <a:schemeClr val="tx1"/>
+                </a:solidFill>
+                <a:latin typeface="+mn-lt"/>
+                <a:ea typeface="+mn-ea"/>
+                <a:cs typeface="+mn-cs"/>
+              </a:defRPr>
+            </a:lvl2pPr>
+            <a:lvl3pPr marL="1143000" indent="-228600" algn="l" defTabSz="914400" rtl="0" eaLnBrk="1" latinLnBrk="0" hangingPunct="1">
+              <a:lnSpc>
+                <a:spcPct val="90000"/>
+              </a:lnSpc>
+              <a:spcBef>
+                <a:spcPts val="500"/>
+              </a:spcBef>
+              <a:buFont typeface="Arial" panose="020B0604020202020204" pitchFamily="34" charset="0"/>
+              <a:buChar char="•"/>
+              <a:defRPr sz="2000" kern="1200">
+                <a:solidFill>
+                  <a:schemeClr val="tx1"/>
+                </a:solidFill>
+                <a:latin typeface="+mn-lt"/>
+                <a:ea typeface="+mn-ea"/>
+                <a:cs typeface="+mn-cs"/>
+              </a:defRPr>
+            </a:lvl3pPr>
+            <a:lvl4pPr marL="1600200" indent="-228600" algn="l" defTabSz="914400" rtl="0" eaLnBrk="1" latinLnBrk="0" hangingPunct="1">
+              <a:lnSpc>
+                <a:spcPct val="90000"/>
+              </a:lnSpc>
+              <a:spcBef>
+                <a:spcPts val="500"/>
+              </a:spcBef>
+              <a:buFont typeface="Arial" panose="020B0604020202020204" pitchFamily="34" charset="0"/>
+              <a:buChar char="•"/>
+              <a:defRPr sz="1800" kern="1200">
+                <a:solidFill>
+                  <a:schemeClr val="tx1"/>
+                </a:solidFill>
+                <a:latin typeface="+mn-lt"/>
+                <a:ea typeface="+mn-ea"/>
+                <a:cs typeface="+mn-cs"/>
+              </a:defRPr>
+            </a:lvl4pPr>
+            <a:lvl5pPr marL="2057400" indent="-228600" algn="l" defTabSz="914400" rtl="0" eaLnBrk="1" latinLnBrk="0" hangingPunct="1">
+              <a:lnSpc>
+                <a:spcPct val="90000"/>
+              </a:lnSpc>
+              <a:spcBef>
+                <a:spcPts val="500"/>
+              </a:spcBef>
+              <a:buFont typeface="Arial" panose="020B0604020202020204" pitchFamily="34" charset="0"/>
+              <a:buChar char="•"/>
+              <a:defRPr sz="1800" kern="1200">
+                <a:solidFill>
+                  <a:schemeClr val="tx1"/>
+                </a:solidFill>
+                <a:latin typeface="+mn-lt"/>
+                <a:ea typeface="+mn-ea"/>
+                <a:cs typeface="+mn-cs"/>
+              </a:defRPr>
+            </a:lvl5pPr>
+            <a:lvl6pPr marL="2514600" indent="-228600" algn="l" defTabSz="914400" rtl="0" eaLnBrk="1" latinLnBrk="0" hangingPunct="1">
+              <a:lnSpc>
+                <a:spcPct val="90000"/>
+              </a:lnSpc>
+              <a:spcBef>
+                <a:spcPts val="500"/>
+              </a:spcBef>
+              <a:buFont typeface="Arial" panose="020B0604020202020204" pitchFamily="34" charset="0"/>
+              <a:buChar char="•"/>
+              <a:defRPr sz="1800" kern="1200">
+                <a:solidFill>
+                  <a:schemeClr val="tx1"/>
+                </a:solidFill>
+                <a:latin typeface="+mn-lt"/>
+                <a:ea typeface="+mn-ea"/>
+                <a:cs typeface="+mn-cs"/>
+              </a:defRPr>
+            </a:lvl6pPr>
+            <a:lvl7pPr marL="2971800" indent="-228600" algn="l" defTabSz="914400" rtl="0" eaLnBrk="1" latinLnBrk="0" hangingPunct="1">
+              <a:lnSpc>
+                <a:spcPct val="90000"/>
+              </a:lnSpc>
+              <a:spcBef>
+                <a:spcPts val="500"/>
+              </a:spcBef>
+              <a:buFont typeface="Arial" panose="020B0604020202020204" pitchFamily="34" charset="0"/>
+              <a:buChar char="•"/>
+              <a:defRPr sz="1800" kern="1200">
+                <a:solidFill>
+                  <a:schemeClr val="tx1"/>
+                </a:solidFill>
+                <a:latin typeface="+mn-lt"/>
+                <a:ea typeface="+mn-ea"/>
+                <a:cs typeface="+mn-cs"/>
+              </a:defRPr>
+            </a:lvl7pPr>
+            <a:lvl8pPr marL="3429000" indent="-228600" algn="l" defTabSz="914400" rtl="0" eaLnBrk="1" latinLnBrk="0" hangingPunct="1">
+              <a:lnSpc>
+                <a:spcPct val="90000"/>
+              </a:lnSpc>
+              <a:spcBef>
+                <a:spcPts val="500"/>
+              </a:spcBef>
+              <a:buFont typeface="Arial" panose="020B0604020202020204" pitchFamily="34" charset="0"/>
+              <a:buChar char="•"/>
+              <a:defRPr sz="1800" kern="1200">
+                <a:solidFill>
+                  <a:schemeClr val="tx1"/>
+                </a:solidFill>
+                <a:latin typeface="+mn-lt"/>
+                <a:ea typeface="+mn-ea"/>
+                <a:cs typeface="+mn-cs"/>
+              </a:defRPr>
+            </a:lvl8pPr>
+            <a:lvl9pPr marL="3886200" indent="-228600" algn="l" defTabSz="914400" rtl="0" eaLnBrk="1" latinLnBrk="0" hangingPunct="1">
+              <a:lnSpc>
+                <a:spcPct val="90000"/>
+              </a:lnSpc>
+              <a:spcBef>
+                <a:spcPts val="500"/>
+              </a:spcBef>
+              <a:buFont typeface="Arial" panose="020B0604020202020204" pitchFamily="34" charset="0"/>
+              <a:buChar char="•"/>
+              <a:defRPr sz="1800" kern="1200">
+                <a:solidFill>
+                  <a:schemeClr val="tx1"/>
+                </a:solidFill>
+                <a:latin typeface="+mn-lt"/>
+                <a:ea typeface="+mn-ea"/>
+                <a:cs typeface="+mn-cs"/>
+              </a:defRPr>
+            </a:lvl9pPr>
+          </a:lstStyle>
+          <a:p>
+            <a:pPr marL="0" indent="0" algn="ctr">
+              <a:buNone/>
+            </a:pPr>
+            <a:r>
+              <a:rPr lang="hu-HU" dirty="0">
+                <a:solidFill>
+                  <a:schemeClr val="bg1"/>
+                </a:solidFill>
+              </a:rPr>
+              <a:t>Károlyi úgy gondolta, hogy nincs esélye megnyernie a kurucoknak a harcot, ezért Rákóczi tudta nélkül </a:t>
+            </a:r>
+            <a:r>
+              <a:rPr lang="hu-HU" b="1" dirty="0">
+                <a:solidFill>
+                  <a:schemeClr val="bg1"/>
+                </a:solidFill>
+              </a:rPr>
+              <a:t>tárgyalásokat kezdett a békéről</a:t>
+            </a:r>
+            <a:r>
+              <a:rPr lang="hu-HU" dirty="0">
+                <a:solidFill>
+                  <a:schemeClr val="bg1"/>
+                </a:solidFill>
+              </a:rPr>
+              <a:t>. Ezt </a:t>
+            </a:r>
+            <a:r>
+              <a:rPr lang="hu-HU" b="1" dirty="0">
+                <a:solidFill>
+                  <a:schemeClr val="bg1"/>
+                </a:solidFill>
+              </a:rPr>
+              <a:t>1711-ben kötötték meg Szatmáron</a:t>
+            </a:r>
+            <a:r>
+              <a:rPr lang="hu-HU" dirty="0">
+                <a:solidFill>
+                  <a:schemeClr val="bg1"/>
+                </a:solidFill>
+              </a:rPr>
+              <a:t> és a császár ígéretet tett, hogy minden lázadó kurucnak megbocsájt és ügyelni fog, hogy azok a sérelmek, amik miatt a szabadságharc kirobbant ne ismétlődjenek meg újra. A </a:t>
+            </a:r>
+            <a:r>
+              <a:rPr lang="hu-HU" b="1" dirty="0">
+                <a:solidFill>
+                  <a:schemeClr val="bg1"/>
+                </a:solidFill>
+              </a:rPr>
+              <a:t>fegyvert ezekután </a:t>
+            </a:r>
+            <a:r>
+              <a:rPr lang="hu-HU" b="1" dirty="0" err="1">
+                <a:solidFill>
+                  <a:schemeClr val="bg1"/>
+                </a:solidFill>
+              </a:rPr>
+              <a:t>Majténynél</a:t>
+            </a:r>
+            <a:r>
+              <a:rPr lang="hu-HU" b="1" dirty="0">
+                <a:solidFill>
+                  <a:schemeClr val="bg1"/>
+                </a:solidFill>
+              </a:rPr>
+              <a:t> tette le a magyar sereg</a:t>
+            </a:r>
+            <a:r>
+              <a:rPr lang="hu-HU" dirty="0">
+                <a:solidFill>
+                  <a:schemeClr val="bg1"/>
+                </a:solidFill>
+              </a:rPr>
+              <a:t>. Rákóczi és más tisztek nem hittek abban, hogy büntetlenül maradhatnak, ezért inkább </a:t>
+            </a:r>
+            <a:r>
+              <a:rPr lang="hu-HU" b="1" dirty="0">
+                <a:solidFill>
+                  <a:schemeClr val="bg1"/>
+                </a:solidFill>
+              </a:rPr>
+              <a:t>önkéntes száműzetésbe vonultak</a:t>
+            </a:r>
+            <a:r>
+              <a:rPr lang="hu-HU" dirty="0">
+                <a:solidFill>
+                  <a:schemeClr val="bg1"/>
+                </a:solidFill>
+              </a:rPr>
+              <a:t>. (Rodostó)</a:t>
+            </a:r>
+          </a:p>
+          <a:p>
+            <a:pPr marL="0" indent="0" algn="ctr">
+              <a:buFont typeface="Arial" panose="020B0604020202020204" pitchFamily="34" charset="0"/>
+              <a:buNone/>
+            </a:pPr>
+            <a:endParaRPr lang="hu-HU" dirty="0">
+              <a:solidFill>
+                <a:schemeClr val="bg1"/>
+              </a:solidFill>
+            </a:endParaRPr>
+          </a:p>
+        </p:txBody>
+      </p:sp>
+    </p:spTree>
+    <p:extLst>
+      <p:ext uri="{BB962C8B-B14F-4D97-AF65-F5344CB8AC3E}">
+        <p14:creationId xmlns:p14="http://schemas.microsoft.com/office/powerpoint/2010/main" val="1333735600"/>
+      </p:ext>
+    </p:extLst>
+  </p:cSld>
+  <p:clrMapOvr>
+    <a:masterClrMapping/>
+  </p:clrMapOvr>
+  <mc:AlternateContent xmlns:mc="http://schemas.openxmlformats.org/markup-compatibility/2006">
+    <mc:Choice xmlns:p159="http://schemas.microsoft.com/office/powerpoint/2015/09/main" Requires="p159">
+      <p:transition xmlns:p14="http://schemas.microsoft.com/office/powerpoint/2010/main" spd="slow" p14:dur="2000">
+        <p159:morph option="byObject"/>
+      </p:transition>
+    </mc:Choice>
+    <mc:Fallback>
       <p:transition spd="slow">
         <p:fade/>
       </p:transition>
